--- a/SOUTENANCE/Boutinon_Celine_4_presentation_062025_VF.pptx
+++ b/SOUTENANCE/Boutinon_Celine_4_presentation_062025_VF.pptx
@@ -206,7 +206,7 @@
           <a:p>
             <a:fld id="{2ED65E25-E688-482C-9D90-2FC2900F3747}" type="datetimeFigureOut">
               <a:rPr lang="en-US" smtClean="0"/>
-              <a:t>7/17/2025</a:t>
+              <a:t>7/19/2025</a:t>
             </a:fld>
             <a:endParaRPr lang="en-US"/>
           </a:p>
@@ -620,7 +620,7 @@
           <a:p>
             <a:fld id="{9A59AA64-94A0-43D9-80EA-653E9211C8E6}" type="datetimeFigureOut">
               <a:rPr lang="en-US" smtClean="0"/>
-              <a:t>7/17/2025</a:t>
+              <a:t>7/19/2025</a:t>
             </a:fld>
             <a:endParaRPr lang="en-US"/>
           </a:p>
@@ -818,7 +818,7 @@
           <a:p>
             <a:fld id="{9A59AA64-94A0-43D9-80EA-653E9211C8E6}" type="datetimeFigureOut">
               <a:rPr lang="en-US" smtClean="0"/>
-              <a:t>7/17/2025</a:t>
+              <a:t>7/19/2025</a:t>
             </a:fld>
             <a:endParaRPr lang="en-US"/>
           </a:p>
@@ -1026,7 +1026,7 @@
           <a:p>
             <a:fld id="{9A59AA64-94A0-43D9-80EA-653E9211C8E6}" type="datetimeFigureOut">
               <a:rPr lang="en-US" smtClean="0"/>
-              <a:t>7/17/2025</a:t>
+              <a:t>7/19/2025</a:t>
             </a:fld>
             <a:endParaRPr lang="en-US"/>
           </a:p>
@@ -1224,7 +1224,7 @@
           <a:p>
             <a:fld id="{9A59AA64-94A0-43D9-80EA-653E9211C8E6}" type="datetimeFigureOut">
               <a:rPr lang="en-US" smtClean="0"/>
-              <a:t>7/17/2025</a:t>
+              <a:t>7/19/2025</a:t>
             </a:fld>
             <a:endParaRPr lang="en-US"/>
           </a:p>
@@ -1499,7 +1499,7 @@
           <a:p>
             <a:fld id="{9A59AA64-94A0-43D9-80EA-653E9211C8E6}" type="datetimeFigureOut">
               <a:rPr lang="en-US" smtClean="0"/>
-              <a:t>7/17/2025</a:t>
+              <a:t>7/19/2025</a:t>
             </a:fld>
             <a:endParaRPr lang="en-US"/>
           </a:p>
@@ -1764,7 +1764,7 @@
           <a:p>
             <a:fld id="{9A59AA64-94A0-43D9-80EA-653E9211C8E6}" type="datetimeFigureOut">
               <a:rPr lang="en-US" smtClean="0"/>
-              <a:t>7/17/2025</a:t>
+              <a:t>7/19/2025</a:t>
             </a:fld>
             <a:endParaRPr lang="en-US"/>
           </a:p>
@@ -2176,7 +2176,7 @@
           <a:p>
             <a:fld id="{9A59AA64-94A0-43D9-80EA-653E9211C8E6}" type="datetimeFigureOut">
               <a:rPr lang="en-US" smtClean="0"/>
-              <a:t>7/17/2025</a:t>
+              <a:t>7/19/2025</a:t>
             </a:fld>
             <a:endParaRPr lang="en-US"/>
           </a:p>
@@ -2317,7 +2317,7 @@
           <a:p>
             <a:fld id="{9A59AA64-94A0-43D9-80EA-653E9211C8E6}" type="datetimeFigureOut">
               <a:rPr lang="en-US" smtClean="0"/>
-              <a:t>7/17/2025</a:t>
+              <a:t>7/19/2025</a:t>
             </a:fld>
             <a:endParaRPr lang="en-US"/>
           </a:p>
@@ -2430,7 +2430,7 @@
           <a:p>
             <a:fld id="{9A59AA64-94A0-43D9-80EA-653E9211C8E6}" type="datetimeFigureOut">
               <a:rPr lang="en-US" smtClean="0"/>
-              <a:t>7/17/2025</a:t>
+              <a:t>7/19/2025</a:t>
             </a:fld>
             <a:endParaRPr lang="en-US"/>
           </a:p>
@@ -2741,7 +2741,7 @@
           <a:p>
             <a:fld id="{9A59AA64-94A0-43D9-80EA-653E9211C8E6}" type="datetimeFigureOut">
               <a:rPr lang="en-US" smtClean="0"/>
-              <a:t>7/17/2025</a:t>
+              <a:t>7/19/2025</a:t>
             </a:fld>
             <a:endParaRPr lang="en-US"/>
           </a:p>
@@ -3029,7 +3029,7 @@
           <a:p>
             <a:fld id="{9A59AA64-94A0-43D9-80EA-653E9211C8E6}" type="datetimeFigureOut">
               <a:rPr lang="en-US" smtClean="0"/>
-              <a:t>7/17/2025</a:t>
+              <a:t>7/19/2025</a:t>
             </a:fld>
             <a:endParaRPr lang="en-US"/>
           </a:p>
@@ -3270,7 +3270,7 @@
           <a:p>
             <a:fld id="{9A59AA64-94A0-43D9-80EA-653E9211C8E6}" type="datetimeFigureOut">
               <a:rPr lang="en-US" smtClean="0"/>
-              <a:t>7/17/2025</a:t>
+              <a:t>7/19/2025</a:t>
             </a:fld>
             <a:endParaRPr lang="en-US"/>
           </a:p>
@@ -5684,7 +5684,7 @@
           <a:p>
             <a:pPr algn="l"/>
             <a:r>
-              <a:rPr lang="en-AU" sz="3600" b="1" dirty="0" err="1">
+              <a:rPr lang="en-AU" sz="3600" b="1" dirty="0">
                 <a:solidFill>
                   <a:srgbClr val="242164"/>
                 </a:solidFill>
@@ -5764,7 +5764,7 @@
             </a:r>
           </a:p>
           <a:p>
-            <a:pPr marL="285750" indent="-285750">
+            <a:pPr marL="742950" lvl="1" indent="-285750">
               <a:buClr>
                 <a:srgbClr val="F1BD5F"/>
               </a:buClr>
@@ -5772,7 +5772,7 @@
               <a:buChar char="v"/>
             </a:pPr>
             <a:r>
-              <a:rPr lang="fr-FR" sz="1800" b="1" dirty="0">
+              <a:rPr lang="fr-FR" b="1" dirty="0">
                 <a:solidFill>
                   <a:srgbClr val="242164"/>
                 </a:solidFill>
@@ -5782,7 +5782,7 @@
             </a:r>
           </a:p>
           <a:p>
-            <a:pPr marL="285750" indent="-285750">
+            <a:pPr marL="742950" lvl="1" indent="-285750">
               <a:buClr>
                 <a:srgbClr val="F1BD5F"/>
               </a:buClr>
@@ -5790,7 +5790,7 @@
               <a:buChar char="v"/>
             </a:pPr>
             <a:r>
-              <a:rPr lang="fr-FR" sz="1800" b="1" dirty="0">
+              <a:rPr lang="fr-FR" b="1" dirty="0">
                 <a:solidFill>
                   <a:srgbClr val="242164"/>
                 </a:solidFill>
@@ -6055,8 +6055,8 @@
         </p:nvSpPr>
         <p:spPr>
           <a:xfrm>
-            <a:off x="5874026" y="1635264"/>
-            <a:ext cx="5277678" cy="4555093"/>
+            <a:off x="5710637" y="1628311"/>
+            <a:ext cx="5619279" cy="4278094"/>
           </a:xfrm>
           <a:prstGeom prst="rect">
             <a:avLst/>
@@ -6095,7 +6095,7 @@
             </a:r>
           </a:p>
           <a:p>
-            <a:pPr marL="285750" indent="-285750">
+            <a:pPr marL="622300" indent="-12700">
               <a:buClr>
                 <a:srgbClr val="F1BD5F"/>
               </a:buClr>
@@ -6109,11 +6109,11 @@
                 </a:solidFill>
                 <a:latin typeface="Verdana Pro Light" panose="020B0304030504040204" pitchFamily="34" charset="0"/>
               </a:rPr>
-              <a:t> une démarche de veille technologique; et</a:t>
-            </a:r>
-          </a:p>
-          <a:p>
-            <a:pPr marL="285750" indent="-285750">
+              <a:t> 	une démarche de veille technologique; et</a:t>
+            </a:r>
+          </a:p>
+          <a:p>
+            <a:pPr marL="622300" indent="-12700">
               <a:buClr>
                 <a:srgbClr val="F1BD5F"/>
               </a:buClr>
@@ -6127,7 +6127,7 @@
                 </a:solidFill>
                 <a:latin typeface="Verdana Pro Light" panose="020B0304030504040204" pitchFamily="34" charset="0"/>
               </a:rPr>
-              <a:t> </a:t>
+              <a:t> 	</a:t>
             </a:r>
             <a:r>
               <a:rPr lang="fr-FR" b="1" dirty="0">
@@ -6241,7 +6241,7 @@
                 </a:solidFill>
                 <a:latin typeface="Verdana Pro Light" panose="020B0304030504040204" pitchFamily="34" charset="0"/>
               </a:rPr>
-              <a:t> des outils de modélisation utilisés</a:t>
+              <a:t> des méthodes utilisées</a:t>
             </a:r>
             <a:endParaRPr lang="fr-FR" dirty="0">
               <a:solidFill>
@@ -6434,7 +6434,7 @@
         <p:spPr>
           <a:xfrm>
             <a:off x="959069" y="1279693"/>
-            <a:ext cx="10534236" cy="4298613"/>
+            <a:ext cx="10534236" cy="4483279"/>
           </a:xfrm>
           <a:prstGeom prst="rect">
             <a:avLst/>
@@ -6453,7 +6453,7 @@
               </a:spcAft>
             </a:pPr>
             <a:r>
-              <a:rPr lang="en-GB" sz="2000" b="1" cap="small" dirty="0">
+              <a:rPr lang="en-GB" sz="2400" b="1" cap="small" dirty="0">
                 <a:solidFill>
                   <a:srgbClr val="242164"/>
                 </a:solidFill>
@@ -6493,7 +6493,7 @@
               <a:t> </a:t>
             </a:r>
             <a:r>
-              <a:rPr lang="fr-FR" sz="2000" b="1" cap="small" noProof="0" dirty="0">
+              <a:rPr lang="fr-FR" sz="2400" b="1" cap="small" noProof="0" dirty="0">
                 <a:solidFill>
                   <a:srgbClr val="242164"/>
                 </a:solidFill>
@@ -6779,7 +6779,7 @@
               </a:spcAft>
             </a:pPr>
             <a:r>
-              <a:rPr lang="fr-FR" sz="2000" b="1" cap="small" dirty="0">
+              <a:rPr lang="fr-FR" sz="2400" b="1" cap="small" dirty="0">
                 <a:solidFill>
                   <a:srgbClr val="242164"/>
                 </a:solidFill>
@@ -6799,7 +6799,7 @@
               <a:t> </a:t>
             </a:r>
             <a:r>
-              <a:rPr lang="fr-FR" sz="2000" b="1" cap="small" dirty="0">
+              <a:rPr lang="fr-FR" sz="2400" b="1" cap="small" dirty="0">
                 <a:solidFill>
                   <a:srgbClr val="F1BD5F"/>
                 </a:solidFill>
@@ -6808,7 +6808,7 @@
               <a:t>–</a:t>
             </a:r>
             <a:r>
-              <a:rPr lang="fr-FR" sz="2000" b="1" cap="small" dirty="0">
+              <a:rPr lang="fr-FR" sz="2400" b="1" cap="small" dirty="0">
                 <a:solidFill>
                   <a:schemeClr val="bg2">
                     <a:lumMod val="50000"/>
@@ -6819,7 +6819,7 @@
               <a:t> </a:t>
             </a:r>
             <a:r>
-              <a:rPr lang="fr-FR" sz="2000" b="1" cap="small" dirty="0">
+              <a:rPr lang="fr-FR" sz="2400" b="1" cap="small" dirty="0">
                 <a:solidFill>
                   <a:srgbClr val="242164"/>
                 </a:solidFill>
@@ -7119,7 +7119,7 @@
           <a:p>
             <a:pPr lvl="1"/>
             <a:r>
-              <a:rPr lang="fr-FR" sz="2000" b="1" cap="small" dirty="0">
+              <a:rPr lang="fr-FR" sz="2400" b="1" cap="small" dirty="0">
                 <a:solidFill>
                   <a:srgbClr val="242164"/>
                 </a:solidFill>
@@ -7128,7 +7128,7 @@
               <a:t>Conclusion</a:t>
             </a:r>
             <a:r>
-              <a:rPr lang="fr-FR" sz="2000" b="1" cap="small" dirty="0">
+              <a:rPr lang="fr-FR" sz="2400" b="1" cap="small" dirty="0">
                 <a:solidFill>
                   <a:schemeClr val="bg2">
                     <a:lumMod val="50000"/>
@@ -7139,7 +7139,7 @@
               <a:t> </a:t>
             </a:r>
             <a:r>
-              <a:rPr lang="fr-FR" sz="2000" b="1" cap="small" dirty="0">
+              <a:rPr lang="fr-FR" sz="2400" b="1" cap="small" dirty="0">
                 <a:solidFill>
                   <a:srgbClr val="F1BD5F"/>
                 </a:solidFill>
@@ -7148,7 +7148,7 @@
               <a:t>&amp;</a:t>
             </a:r>
             <a:r>
-              <a:rPr lang="fr-FR" sz="2000" b="1" cap="small" dirty="0">
+              <a:rPr lang="fr-FR" sz="2400" b="1" cap="small" dirty="0">
                 <a:solidFill>
                   <a:schemeClr val="bg2">
                     <a:lumMod val="50000"/>
@@ -7159,7 +7159,7 @@
               <a:t> </a:t>
             </a:r>
             <a:r>
-              <a:rPr lang="fr-FR" sz="2000" b="1" cap="small" dirty="0">
+              <a:rPr lang="fr-FR" sz="2400" b="1" cap="small" dirty="0">
                 <a:solidFill>
                   <a:srgbClr val="242164"/>
                 </a:solidFill>
@@ -8654,13 +8654,37 @@
           <a:p>
             <a:pPr algn="ctr"/>
             <a:r>
+              <a:rPr lang="fr-FR" sz="1200" b="1" dirty="0">
+                <a:solidFill>
+                  <a:schemeClr val="tx1"/>
+                </a:solidFill>
+                <a:latin typeface="Verdana Pro Light" panose="020B0304030504040204" pitchFamily="34" charset="0"/>
+              </a:rPr>
+              <a:t>Credit</a:t>
+            </a:r>
+          </a:p>
+          <a:p>
+            <a:pPr algn="ctr"/>
+            <a:r>
+              <a:rPr lang="fr-FR" sz="1200" b="1" dirty="0">
+                <a:solidFill>
+                  <a:schemeClr val="tx1"/>
+                </a:solidFill>
+                <a:latin typeface="Verdana Pro Light" panose="020B0304030504040204" pitchFamily="34" charset="0"/>
+              </a:rPr>
+              <a:t> Application </a:t>
+            </a:r>
+          </a:p>
+          <a:p>
+            <a:pPr algn="ctr"/>
+            <a:r>
               <a:rPr lang="fr-FR" sz="1200" b="1" dirty="0" err="1">
                 <a:solidFill>
                   <a:schemeClr val="tx1"/>
                 </a:solidFill>
                 <a:latin typeface="Verdana Pro Light" panose="020B0304030504040204" pitchFamily="34" charset="0"/>
               </a:rPr>
-              <a:t>Credit</a:t>
+              <a:t>Decision</a:t>
             </a:r>
             <a:endParaRPr lang="fr-FR" sz="1200" b="1" dirty="0">
               <a:solidFill>
@@ -8670,53 +8694,23 @@
             </a:endParaRPr>
           </a:p>
           <a:p>
-            <a:pPr algn="ctr"/>
-            <a:r>
-              <a:rPr lang="fr-FR" sz="1200" b="1" dirty="0">
+            <a:pPr algn="r"/>
+            <a:r>
+              <a:rPr lang="fr-FR" sz="1000" dirty="0">
                 <a:solidFill>
                   <a:schemeClr val="tx1"/>
                 </a:solidFill>
                 <a:latin typeface="Verdana Pro Light" panose="020B0304030504040204" pitchFamily="34" charset="0"/>
               </a:rPr>
-              <a:t> Application </a:t>
-            </a:r>
-          </a:p>
-          <a:p>
-            <a:pPr algn="ctr"/>
-            <a:r>
-              <a:rPr lang="fr-FR" sz="1200" b="1" dirty="0" err="1">
+              <a:t>+</a:t>
+            </a:r>
+          </a:p>
+          <a:p>
+            <a:pPr algn="r"/>
+            <a:r>
+              <a:rPr lang="fr-FR" sz="1000" dirty="0">
                 <a:solidFill>
                   <a:schemeClr val="tx1"/>
-                </a:solidFill>
-                <a:latin typeface="Verdana Pro Light" panose="020B0304030504040204" pitchFamily="34" charset="0"/>
-              </a:rPr>
-              <a:t>Decision</a:t>
-            </a:r>
-            <a:endParaRPr lang="fr-FR" sz="1200" b="1" dirty="0">
-              <a:solidFill>
-                <a:schemeClr val="tx1"/>
-              </a:solidFill>
-              <a:latin typeface="Verdana Pro Light" panose="020B0304030504040204" pitchFamily="34" charset="0"/>
-            </a:endParaRPr>
-          </a:p>
-          <a:p>
-            <a:pPr algn="r"/>
-            <a:r>
-              <a:rPr lang="fr-FR" sz="1000" dirty="0">
-                <a:solidFill>
-                  <a:srgbClr val="242164"/>
-                </a:solidFill>
-                <a:latin typeface="Verdana Pro Light" panose="020B0304030504040204" pitchFamily="34" charset="0"/>
-              </a:rPr>
-              <a:t>+</a:t>
-            </a:r>
-          </a:p>
-          <a:p>
-            <a:pPr algn="r"/>
-            <a:r>
-              <a:rPr lang="fr-FR" sz="1000" dirty="0">
-                <a:solidFill>
-                  <a:srgbClr val="242164"/>
                 </a:solidFill>
                 <a:latin typeface="Verdana Pro Light" panose="020B0304030504040204" pitchFamily="34" charset="0"/>
               </a:rPr>
@@ -8822,7 +8816,7 @@
             <a:r>
               <a:rPr lang="fr-FR" sz="1000" dirty="0">
                 <a:solidFill>
-                  <a:srgbClr val="242164"/>
+                  <a:schemeClr val="tx1"/>
                 </a:solidFill>
                 <a:latin typeface="Verdana Pro Light" panose="020B0304030504040204" pitchFamily="34" charset="0"/>
               </a:rPr>
@@ -8834,7 +8828,7 @@
             <a:r>
               <a:rPr lang="fr-FR" sz="1000" dirty="0">
                 <a:solidFill>
-                  <a:srgbClr val="242164"/>
+                  <a:schemeClr val="tx1"/>
                 </a:solidFill>
                 <a:latin typeface="Verdana Pro Light" panose="020B0304030504040204" pitchFamily="34" charset="0"/>
               </a:rPr>
@@ -9096,23 +9090,8 @@
                 </a:solidFill>
                 <a:latin typeface="Verdana Pro Light" panose="020B0304030504040204" pitchFamily="34" charset="0"/>
               </a:rPr>
-              <a:t> </a:t>
-            </a:r>
-            <a:r>
-              <a:rPr lang="fr-FR" sz="1000" dirty="0">
-                <a:solidFill>
-                  <a:srgbClr val="242164"/>
-                </a:solidFill>
-                <a:latin typeface="Verdana Pro Light" panose="020B0304030504040204" pitchFamily="34" charset="0"/>
-              </a:rPr>
-              <a:t>élément-clé</a:t>
-            </a:r>
-            <a:endParaRPr lang="fr-FR" sz="1000" dirty="0">
-              <a:solidFill>
-                <a:schemeClr val="tx1"/>
-              </a:solidFill>
-              <a:latin typeface="Verdana Pro Light" panose="020B0304030504040204" pitchFamily="34" charset="0"/>
-            </a:endParaRPr>
+              <a:t> élément-clé</a:t>
+            </a:r>
           </a:p>
         </p:txBody>
       </p:sp>
@@ -10470,7 +10449,7 @@
         <p:spPr>
           <a:xfrm>
             <a:off x="1415394" y="6219397"/>
-            <a:ext cx="8001000" cy="584775"/>
+            <a:ext cx="8001000" cy="461665"/>
           </a:xfrm>
           <a:prstGeom prst="rect">
             <a:avLst/>
@@ -10492,14 +10471,6 @@
               </a:rPr>
               <a:t>* Test concluant sur utilisateur daltonien réalisé le 13/07/25</a:t>
             </a:r>
-          </a:p>
-          <a:p>
-            <a:endParaRPr lang="fr-FR" sz="800" b="1" noProof="0" dirty="0">
-              <a:solidFill>
-                <a:srgbClr val="242164"/>
-              </a:solidFill>
-              <a:latin typeface="Verdana Pro Light" panose="020B0304030504040204" pitchFamily="34" charset="0"/>
-            </a:endParaRPr>
           </a:p>
           <a:p>
             <a:r>
@@ -10955,10 +10926,12 @@
             </a:endParaRPr>
           </a:p>
           <a:p>
-            <a:pPr>
+            <a:pPr marL="285750" indent="-285750">
               <a:buClr>
-                <a:srgbClr val="F1BD5F"/>
+                <a:schemeClr val="tx1"/>
               </a:buClr>
+              <a:buFont typeface="Wingdings" panose="05000000000000000000" pitchFamily="2" charset="2"/>
+              <a:buChar char="Ø"/>
             </a:pPr>
             <a:r>
               <a:rPr lang="en-US" sz="1600" b="1" u="sng" dirty="0">
@@ -10976,19 +10949,19 @@
               <a:t> </a:t>
             </a:r>
             <a:r>
-              <a:rPr lang="en-US" sz="1600" dirty="0">
-                <a:solidFill>
-                  <a:srgbClr val="242164"/>
-                </a:solidFill>
-                <a:latin typeface="Verdana Pro Light" panose="020B0304030504040204" pitchFamily="34" charset="0"/>
-                <a:hlinkClick r:id="rId3"/>
+              <a:rPr lang="en-US" sz="1600" b="1" dirty="0">
+                <a:latin typeface="Verdana Pro Light" panose="020B0304030504040204" pitchFamily="34" charset="0"/>
+                <a:hlinkClick r:id="rId3">
+                  <a:extLst>
+                    <a:ext uri="{A12FA001-AC4F-418D-AE19-62706E023703}">
+                      <ahyp:hlinkClr xmlns:ahyp="http://schemas.microsoft.com/office/drawing/2018/hyperlinkcolor" val="tx"/>
+                    </a:ext>
+                  </a:extLst>
+                </a:hlinkClick>
               </a:rPr>
               <a:t>https://credit-scoring-api-0p1u.onrender.com</a:t>
             </a:r>
-            <a:endParaRPr lang="en-US" sz="1600" dirty="0">
-              <a:solidFill>
-                <a:srgbClr val="242164"/>
-              </a:solidFill>
+            <a:endParaRPr lang="en-US" sz="1600" b="1" dirty="0">
               <a:latin typeface="Verdana Pro Light" panose="020B0304030504040204" pitchFamily="34" charset="0"/>
             </a:endParaRPr>
           </a:p>
@@ -11006,10 +10979,12 @@
             </a:endParaRPr>
           </a:p>
           <a:p>
-            <a:pPr algn="r">
+            <a:pPr marL="285750" indent="-285750" algn="r">
               <a:buClr>
-                <a:srgbClr val="F1BD5F"/>
+                <a:srgbClr val="C00000"/>
               </a:buClr>
+              <a:buFont typeface="Wingdings" panose="05000000000000000000" pitchFamily="2" charset="2"/>
+              <a:buChar char="Ø"/>
             </a:pPr>
             <a:r>
               <a:rPr lang="en-US" sz="1600" b="1" u="sng" dirty="0">
@@ -11030,18 +11005,24 @@
               <a:t> </a:t>
             </a:r>
             <a:r>
-              <a:rPr lang="en-US" sz="1600" dirty="0">
-                <a:solidFill>
-                  <a:srgbClr val="242164"/>
-                </a:solidFill>
-                <a:latin typeface="Verdana Pro Light" panose="020B0304030504040204" pitchFamily="34" charset="0"/>
-                <a:hlinkClick r:id="rId4"/>
+              <a:rPr lang="en-US" sz="1600" b="1" dirty="0">
+                <a:solidFill>
+                  <a:srgbClr val="C00000"/>
+                </a:solidFill>
+                <a:latin typeface="Verdana Pro Light" panose="020B0304030504040204" pitchFamily="34" charset="0"/>
+                <a:hlinkClick r:id="rId4">
+                  <a:extLst>
+                    <a:ext uri="{A12FA001-AC4F-418D-AE19-62706E023703}">
+                      <ahyp:hlinkClr xmlns:ahyp="http://schemas.microsoft.com/office/drawing/2018/hyperlinkcolor" val="tx"/>
+                    </a:ext>
+                  </a:extLst>
+                </a:hlinkClick>
               </a:rPr>
               <a:t>https://ocds-p8-dashboard.streamlit.app/</a:t>
             </a:r>
-            <a:endParaRPr lang="en-US" sz="1600" dirty="0">
+            <a:endParaRPr lang="en-US" sz="1600" b="1" dirty="0">
               <a:solidFill>
-                <a:srgbClr val="242164"/>
+                <a:srgbClr val="C00000"/>
               </a:solidFill>
               <a:latin typeface="Verdana Pro Light" panose="020B0304030504040204" pitchFamily="34" charset="0"/>
             </a:endParaRPr>
@@ -13533,7 +13514,7 @@
         <p:spPr>
           <a:xfrm>
             <a:off x="7286669" y="4757506"/>
-            <a:ext cx="0" cy="575172"/>
+            <a:ext cx="0" cy="758077"/>
           </a:xfrm>
           <a:prstGeom prst="straightConnector1">
             <a:avLst/>
@@ -13618,8 +13599,8 @@
         </p:nvSpPr>
         <p:spPr>
           <a:xfrm>
-            <a:off x="3899139" y="5004588"/>
-            <a:ext cx="3005763" cy="215444"/>
+            <a:off x="3449860" y="5004588"/>
+            <a:ext cx="3737559" cy="253916"/>
           </a:xfrm>
           <a:prstGeom prst="rect">
             <a:avLst/>
@@ -13633,32 +13614,11 @@
           <a:lstStyle/>
           <a:p>
             <a:r>
-              <a:rPr lang="en-US" sz="800" b="1" dirty="0">
-                <a:latin typeface="Verdana Pro Light" panose="020B0304030504040204" pitchFamily="34" charset="0"/>
-              </a:rPr>
-              <a:t>Credit Scoring App – Rappel de </a:t>
-            </a:r>
-            <a:r>
-              <a:rPr lang="en-US" sz="800" b="1" dirty="0" err="1">
-                <a:latin typeface="Verdana Pro Light" panose="020B0304030504040204" pitchFamily="34" charset="0"/>
-              </a:rPr>
-              <a:t>l’architecture</a:t>
-            </a:r>
-            <a:r>
-              <a:rPr lang="en-US" sz="800" b="1" dirty="0">
-                <a:latin typeface="Verdana Pro Light" panose="020B0304030504040204" pitchFamily="34" charset="0"/>
-              </a:rPr>
-              <a:t> </a:t>
-            </a:r>
-            <a:r>
-              <a:rPr lang="en-US" sz="800" b="1" dirty="0" err="1">
-                <a:latin typeface="Verdana Pro Light" panose="020B0304030504040204" pitchFamily="34" charset="0"/>
-              </a:rPr>
-              <a:t>d’inférence</a:t>
-            </a:r>
-            <a:endParaRPr lang="en-US" sz="800" b="1" dirty="0">
-              <a:latin typeface="Verdana Pro Light" panose="020B0304030504040204" pitchFamily="34" charset="0"/>
-            </a:endParaRPr>
+              <a:rPr lang="fr-FR" sz="1050" b="1" noProof="0" dirty="0">
+                <a:latin typeface="Verdana Pro Light" panose="020B0304030504040204" pitchFamily="34" charset="0"/>
+              </a:rPr>
+              <a:t>Credit Scoring App – Rappel de l’architecture d’inférence</a:t>
+            </a:r>
           </a:p>
         </p:txBody>
       </p:sp>
@@ -14098,7 +14058,7 @@
           <a:p>
             <a:pPr marL="285750" lvl="1" indent="-285750">
               <a:buClr>
-                <a:srgbClr val="FF8C14"/>
+                <a:srgbClr val="F1BD5F"/>
               </a:buClr>
               <a:buFont typeface="Wingdings" panose="05000000000000000000" pitchFamily="2" charset="2"/>
               <a:buChar char="Ø"/>
@@ -14116,7 +14076,7 @@
           <a:p>
             <a:pPr marL="742950" lvl="2" indent="-285750">
               <a:buClr>
-                <a:srgbClr val="FF8C14"/>
+                <a:srgbClr val="F1BD5F"/>
               </a:buClr>
               <a:buFont typeface="Wingdings" panose="05000000000000000000" pitchFamily="2" charset="2"/>
               <a:buChar char="v"/>
@@ -14134,7 +14094,7 @@
           <a:p>
             <a:pPr marL="742950" lvl="2" indent="-285750">
               <a:buClr>
-                <a:srgbClr val="FF8C14"/>
+                <a:srgbClr val="F1BD5F"/>
               </a:buClr>
               <a:buFont typeface="Wingdings" panose="05000000000000000000" pitchFamily="2" charset="2"/>
               <a:buChar char="v"/>
@@ -14152,7 +14112,7 @@
           <a:p>
             <a:pPr marL="25400" lvl="2" indent="-25400">
               <a:buClr>
-                <a:srgbClr val="FF8C14"/>
+                <a:srgbClr val="F1BD5F"/>
               </a:buClr>
               <a:buFont typeface="Wingdings" panose="05000000000000000000" pitchFamily="2" charset="2"/>
               <a:buChar char="Ø"/>
@@ -14179,7 +14139,7 @@
           <a:p>
             <a:pPr marL="742950" lvl="3" indent="-285750">
               <a:buClr>
-                <a:srgbClr val="FF8C14"/>
+                <a:srgbClr val="F1BD5F"/>
               </a:buClr>
               <a:buFont typeface="Wingdings" panose="05000000000000000000" pitchFamily="2" charset="2"/>
               <a:buChar char="v"/>
@@ -14277,7 +14237,7 @@
         <p:spPr>
           <a:xfrm>
             <a:off x="5960720" y="5951089"/>
-            <a:ext cx="4379709" cy="246221"/>
+            <a:ext cx="4597528" cy="253916"/>
           </a:xfrm>
           <a:prstGeom prst="rect">
             <a:avLst/>
@@ -14291,41 +14251,38 @@
           <a:lstStyle/>
           <a:p>
             <a:r>
-              <a:rPr lang="en-US" sz="1000" b="1" dirty="0" err="1">
-                <a:latin typeface="Verdana Pro Light" panose="020B0304030504040204" pitchFamily="34" charset="0"/>
-              </a:rPr>
-              <a:t>Exemples</a:t>
-            </a:r>
-            <a:r>
-              <a:rPr lang="en-US" sz="1000" b="1" dirty="0">
-                <a:latin typeface="Verdana Pro Light" panose="020B0304030504040204" pitchFamily="34" charset="0"/>
-              </a:rPr>
-              <a:t> </a:t>
-            </a:r>
-            <a:r>
-              <a:rPr lang="en-US" sz="1000" b="1" dirty="0" err="1">
-                <a:latin typeface="Verdana Pro Light" panose="020B0304030504040204" pitchFamily="34" charset="0"/>
-              </a:rPr>
-              <a:t>d’objets</a:t>
-            </a:r>
-            <a:r>
-              <a:rPr lang="en-US" sz="1000" b="1" dirty="0">
-                <a:latin typeface="Verdana Pro Light" panose="020B0304030504040204" pitchFamily="34" charset="0"/>
-              </a:rPr>
-              <a:t> dans la </a:t>
-            </a:r>
-            <a:r>
-              <a:rPr lang="en-US" sz="1000" b="1" dirty="0" err="1">
-                <a:latin typeface="Verdana Pro Light" panose="020B0304030504040204" pitchFamily="34" charset="0"/>
-              </a:rPr>
-              <a:t>catégorie</a:t>
-            </a:r>
-            <a:r>
-              <a:rPr lang="en-US" sz="1000" b="1" dirty="0">
-                <a:latin typeface="Verdana Pro Light" panose="020B0304030504040204" pitchFamily="34" charset="0"/>
-              </a:rPr>
-              <a:t> “Home Decor &amp; Festive Needs’</a:t>
-            </a:r>
+              <a:rPr lang="fr-FR" sz="1050" b="1" noProof="0" dirty="0">
+                <a:latin typeface="Verdana Pro Light" panose="020B0304030504040204" pitchFamily="34" charset="0"/>
+              </a:rPr>
+              <a:t>Exemples d’objets dans la catégorie « Home </a:t>
+            </a:r>
+            <a:r>
+              <a:rPr lang="fr-FR" sz="1050" b="1" noProof="0" dirty="0" err="1">
+                <a:latin typeface="Verdana Pro Light" panose="020B0304030504040204" pitchFamily="34" charset="0"/>
+              </a:rPr>
+              <a:t>Decor</a:t>
+            </a:r>
+            <a:r>
+              <a:rPr lang="fr-FR" sz="1050" b="1" noProof="0" dirty="0">
+                <a:latin typeface="Verdana Pro Light" panose="020B0304030504040204" pitchFamily="34" charset="0"/>
+              </a:rPr>
+              <a:t> &amp; Festive </a:t>
+            </a:r>
+            <a:r>
+              <a:rPr lang="fr-FR" sz="1050" b="1" noProof="0" dirty="0" err="1">
+                <a:latin typeface="Verdana Pro Light" panose="020B0304030504040204" pitchFamily="34" charset="0"/>
+              </a:rPr>
+              <a:t>Needs</a:t>
+            </a:r>
+            <a:r>
+              <a:rPr lang="fr-FR" sz="1050" b="1" dirty="0">
+                <a:latin typeface="Verdana Pro Light" panose="020B0304030504040204" pitchFamily="34" charset="0"/>
+              </a:rPr>
+              <a:t> »</a:t>
+            </a:r>
+            <a:endParaRPr lang="fr-FR" sz="1050" b="1" noProof="0" dirty="0">
+              <a:latin typeface="Verdana Pro Light" panose="020B0304030504040204" pitchFamily="34" charset="0"/>
+            </a:endParaRPr>
           </a:p>
         </p:txBody>
       </p:sp>
@@ -14746,25 +14703,7 @@
                 </a:solidFill>
                 <a:latin typeface="Verdana Pro Light" panose="020B0304030504040204" pitchFamily="34" charset="0"/>
               </a:rPr>
-              <a:t>combine CNN (convolutions locales / localisation fine) &amp; </a:t>
-            </a:r>
-            <a:r>
-              <a:rPr lang="fr-FR" sz="1600" dirty="0" err="1">
-                <a:solidFill>
-                  <a:srgbClr val="242164"/>
-                </a:solidFill>
-                <a:latin typeface="Verdana Pro Light" panose="020B0304030504040204" pitchFamily="34" charset="0"/>
-              </a:rPr>
-              <a:t>transformers</a:t>
-            </a:r>
-            <a:r>
-              <a:rPr lang="fr-FR" sz="1600" dirty="0">
-                <a:solidFill>
-                  <a:srgbClr val="242164"/>
-                </a:solidFill>
-                <a:latin typeface="Verdana Pro Light" panose="020B0304030504040204" pitchFamily="34" charset="0"/>
-              </a:rPr>
-              <a:t> (auto-attention globale / modélisation contextuelle)</a:t>
+              <a:t>combine CNN (convolutions locales / localisation fine) &amp; transformers (auto-attention globale / modélisation contextuelle)</a:t>
             </a:r>
           </a:p>
           <a:p>
@@ -14825,7 +14764,7 @@
                 </a:solidFill>
                 <a:latin typeface="Verdana Pro Light" panose="020B0304030504040204" pitchFamily="34" charset="0"/>
               </a:rPr>
-              <a:t>Optimisé pour inférence mobile &amp; appareils contraints</a:t>
+              <a:t>optimisé pour inférence mobile &amp; appareils contraints</a:t>
             </a:r>
           </a:p>
           <a:p>
@@ -14836,23 +14775,8 @@
                 </a:solidFill>
                 <a:latin typeface="Verdana Pro Light" panose="020B0304030504040204" pitchFamily="34" charset="0"/>
               </a:rPr>
-              <a:t>attention “séparable” =&gt; complexité </a:t>
-            </a:r>
-            <a:r>
-              <a:rPr lang="fr-FR" sz="1600" dirty="0" err="1">
-                <a:solidFill>
-                  <a:srgbClr val="242164"/>
-                </a:solidFill>
-                <a:latin typeface="Verdana Pro Light" panose="020B0304030504040204" pitchFamily="34" charset="0"/>
-              </a:rPr>
-              <a:t>lineaire</a:t>
-            </a:r>
-            <a:endParaRPr lang="fr-FR" sz="1600" dirty="0">
-              <a:solidFill>
-                <a:srgbClr val="242164"/>
-              </a:solidFill>
-              <a:latin typeface="Verdana Pro Light" panose="020B0304030504040204" pitchFamily="34" charset="0"/>
-            </a:endParaRPr>
+              <a:t>attention “séparable” =&gt; complexité linéaire</a:t>
+            </a:r>
           </a:p>
           <a:p>
             <a:endParaRPr lang="fr-FR" sz="1600" dirty="0">
@@ -14888,7 +14812,7 @@
                 </a:solidFill>
                 <a:latin typeface="Verdana Pro Light" panose="020B0304030504040204" pitchFamily="34" charset="0"/>
               </a:rPr>
-              <a:t>au bruit &amp; aux petits jeux de données</a:t>
+              <a:t>au bruit &amp; sur petits jeux de données</a:t>
             </a:r>
           </a:p>
           <a:p>
@@ -14981,7 +14905,7 @@
         <p:spPr>
           <a:xfrm>
             <a:off x="5527582" y="3182779"/>
-            <a:ext cx="5525729" cy="246221"/>
+            <a:ext cx="5525729" cy="261610"/>
           </a:xfrm>
           <a:prstGeom prst="rect">
             <a:avLst/>
@@ -14995,13 +14919,13 @@
           <a:lstStyle/>
           <a:p>
             <a:r>
-              <a:rPr lang="en-US" sz="1000" b="1" dirty="0">
+              <a:rPr lang="en-US" sz="1100" b="1" dirty="0">
                 <a:latin typeface="Verdana Pro Light" panose="020B0304030504040204" pitchFamily="34" charset="0"/>
               </a:rPr>
               <a:t>MobileViTv2 block</a:t>
             </a:r>
             <a:r>
-              <a:rPr lang="en-US" sz="1000" b="1" baseline="30000" dirty="0">
+              <a:rPr lang="en-US" sz="1100" b="1" baseline="30000" dirty="0">
                 <a:latin typeface="Verdana Pro Light" panose="020B0304030504040204" pitchFamily="34" charset="0"/>
               </a:rPr>
               <a:t>*</a:t>
@@ -15053,97 +14977,7 @@
                 </a:solidFill>
                 <a:latin typeface="Verdana Pro Light" panose="020B0304030504040204" pitchFamily="34" charset="0"/>
               </a:rPr>
-              <a:t>a convolution en profondeur utilise un noyau de taille 3×3 pour encoder les représentations locales. Les opérations de « dépliage » (</a:t>
-            </a:r>
-            <a:r>
-              <a:rPr lang="fr-FR" sz="800" b="1" dirty="0" err="1">
-                <a:solidFill>
-                  <a:srgbClr val="242164"/>
-                </a:solidFill>
-                <a:latin typeface="Verdana Pro Light" panose="020B0304030504040204" pitchFamily="34" charset="0"/>
-              </a:rPr>
-              <a:t>unfolding</a:t>
-            </a:r>
-            <a:r>
-              <a:rPr lang="fr-FR" sz="800" b="1" dirty="0">
-                <a:solidFill>
-                  <a:srgbClr val="242164"/>
-                </a:solidFill>
-                <a:latin typeface="Verdana Pro Light" panose="020B0304030504040204" pitchFamily="34" charset="0"/>
-              </a:rPr>
-              <a:t>) et de « repliage » (</a:t>
-            </a:r>
-            <a:r>
-              <a:rPr lang="fr-FR" sz="800" b="1" dirty="0" err="1">
-                <a:solidFill>
-                  <a:srgbClr val="242164"/>
-                </a:solidFill>
-                <a:latin typeface="Verdana Pro Light" panose="020B0304030504040204" pitchFamily="34" charset="0"/>
-              </a:rPr>
-              <a:t>folding</a:t>
-            </a:r>
-            <a:r>
-              <a:rPr lang="fr-FR" sz="800" b="1" dirty="0">
-                <a:solidFill>
-                  <a:srgbClr val="242164"/>
-                </a:solidFill>
-                <a:latin typeface="Verdana Pro Light" panose="020B0304030504040204" pitchFamily="34" charset="0"/>
-              </a:rPr>
-              <a:t>) utilisent une hauteur et une largeur de patch de deux respectivement. Les couches d’auto-attention séparable et de </a:t>
-            </a:r>
-            <a:r>
-              <a:rPr lang="fr-FR" sz="800" b="1" dirty="0" err="1">
-                <a:solidFill>
-                  <a:srgbClr val="242164"/>
-                </a:solidFill>
-                <a:latin typeface="Verdana Pro Light" panose="020B0304030504040204" pitchFamily="34" charset="0"/>
-              </a:rPr>
-              <a:t>feed-forward</a:t>
-            </a:r>
-            <a:r>
-              <a:rPr lang="fr-FR" sz="800" b="1" dirty="0">
-                <a:solidFill>
-                  <a:srgbClr val="242164"/>
-                </a:solidFill>
-                <a:latin typeface="Verdana Pro Light" panose="020B0304030504040204" pitchFamily="34" charset="0"/>
-              </a:rPr>
-              <a:t> du </a:t>
-            </a:r>
-            <a:r>
-              <a:rPr lang="fr-FR" sz="800" b="1" dirty="0" err="1">
-                <a:solidFill>
-                  <a:srgbClr val="242164"/>
-                </a:solidFill>
-                <a:latin typeface="Verdana Pro Light" panose="020B0304030504040204" pitchFamily="34" charset="0"/>
-              </a:rPr>
-              <a:t>transformeur</a:t>
-            </a:r>
-            <a:r>
-              <a:rPr lang="fr-FR" sz="800" b="1" dirty="0">
-                <a:solidFill>
-                  <a:srgbClr val="242164"/>
-                </a:solidFill>
-                <a:latin typeface="Verdana Pro Light" panose="020B0304030504040204" pitchFamily="34" charset="0"/>
-              </a:rPr>
-              <a:t> sont répétées B fois avant d’appliquer l’opération de repliage (</a:t>
-            </a:r>
-            <a:r>
-              <a:rPr lang="fr-FR" sz="800" b="1" dirty="0" err="1">
-                <a:solidFill>
-                  <a:srgbClr val="242164"/>
-                </a:solidFill>
-                <a:latin typeface="Verdana Pro Light" panose="020B0304030504040204" pitchFamily="34" charset="0"/>
-              </a:rPr>
-              <a:t>folding</a:t>
-            </a:r>
-            <a:r>
-              <a:rPr lang="fr-FR" sz="800" b="1" dirty="0">
-                <a:solidFill>
-                  <a:srgbClr val="242164"/>
-                </a:solidFill>
-                <a:latin typeface="Verdana Pro Light" panose="020B0304030504040204" pitchFamily="34" charset="0"/>
-              </a:rPr>
-              <a:t>). Source : https://arxiv.org/pdf/2206.02680</a:t>
+              <a:t>a convolution en profondeur utilise un noyau de taille 3×3 pour encoder les représentations locales. Les opérations de dépliage  et de repliage utilisent une hauteur et une largeur de patch de deux respectivement. Les couches d’auto-attention séparable et de feed-forward du transformer sont répétées B fois avant d’appliquer l’opération de repliage, où B est un hyperparamètre structurel qui vaut entre 2 et 4 selon la position du bloc transformer dans le modèle. Source : https://arxiv.org/pdf/2206.02680</a:t>
             </a:r>
             <a:endParaRPr lang="fr-FR" sz="800" b="1" noProof="0" dirty="0">
               <a:solidFill>
